--- a/off-heap/Presentation1.pptx
+++ b/off-heap/Presentation1.pptx
@@ -288,6 +288,7 @@
           <a:p>
             <a:fld id="{6C008584-796E-40D4-A2F8-D3A5C8D953DC}" type="datetimeFigureOut">
               <a:rPr lang="en-US" smtClean="0"/>
+              <a:pPr/>
               <a:t>4/3/2014</a:t>
             </a:fld>
             <a:endParaRPr lang="en-US"/>
@@ -330,6 +331,7 @@
           <a:p>
             <a:fld id="{C36AA786-6DD6-4339-B9BF-CE324E70A66C}" type="slidenum">
               <a:rPr lang="en-US" smtClean="0"/>
+              <a:pPr/>
               <a:t>‹#›</a:t>
             </a:fld>
             <a:endParaRPr lang="en-US"/>
@@ -453,6 +455,7 @@
           <a:p>
             <a:fld id="{6C008584-796E-40D4-A2F8-D3A5C8D953DC}" type="datetimeFigureOut">
               <a:rPr lang="en-US" smtClean="0"/>
+              <a:pPr/>
               <a:t>4/3/2014</a:t>
             </a:fld>
             <a:endParaRPr lang="en-US"/>
@@ -495,6 +498,7 @@
           <a:p>
             <a:fld id="{C36AA786-6DD6-4339-B9BF-CE324E70A66C}" type="slidenum">
               <a:rPr lang="en-US" smtClean="0"/>
+              <a:pPr/>
               <a:t>‹#›</a:t>
             </a:fld>
             <a:endParaRPr lang="en-US"/>
@@ -628,6 +632,7 @@
           <a:p>
             <a:fld id="{6C008584-796E-40D4-A2F8-D3A5C8D953DC}" type="datetimeFigureOut">
               <a:rPr lang="en-US" smtClean="0"/>
+              <a:pPr/>
               <a:t>4/3/2014</a:t>
             </a:fld>
             <a:endParaRPr lang="en-US"/>
@@ -670,6 +675,7 @@
           <a:p>
             <a:fld id="{C36AA786-6DD6-4339-B9BF-CE324E70A66C}" type="slidenum">
               <a:rPr lang="en-US" smtClean="0"/>
+              <a:pPr/>
               <a:t>‹#›</a:t>
             </a:fld>
             <a:endParaRPr lang="en-US"/>
@@ -793,6 +799,7 @@
           <a:p>
             <a:fld id="{6C008584-796E-40D4-A2F8-D3A5C8D953DC}" type="datetimeFigureOut">
               <a:rPr lang="en-US" smtClean="0"/>
+              <a:pPr/>
               <a:t>4/3/2014</a:t>
             </a:fld>
             <a:endParaRPr lang="en-US"/>
@@ -835,6 +842,7 @@
           <a:p>
             <a:fld id="{C36AA786-6DD6-4339-B9BF-CE324E70A66C}" type="slidenum">
               <a:rPr lang="en-US" smtClean="0"/>
+              <a:pPr/>
               <a:t>‹#›</a:t>
             </a:fld>
             <a:endParaRPr lang="en-US"/>
@@ -1034,6 +1042,7 @@
           <a:p>
             <a:fld id="{6C008584-796E-40D4-A2F8-D3A5C8D953DC}" type="datetimeFigureOut">
               <a:rPr lang="en-US" smtClean="0"/>
+              <a:pPr/>
               <a:t>4/3/2014</a:t>
             </a:fld>
             <a:endParaRPr lang="en-US"/>
@@ -1076,6 +1085,7 @@
           <a:p>
             <a:fld id="{C36AA786-6DD6-4339-B9BF-CE324E70A66C}" type="slidenum">
               <a:rPr lang="en-US" smtClean="0"/>
+              <a:pPr/>
               <a:t>‹#›</a:t>
             </a:fld>
             <a:endParaRPr lang="en-US"/>
@@ -1317,6 +1327,7 @@
           <a:p>
             <a:fld id="{6C008584-796E-40D4-A2F8-D3A5C8D953DC}" type="datetimeFigureOut">
               <a:rPr lang="en-US" smtClean="0"/>
+              <a:pPr/>
               <a:t>4/3/2014</a:t>
             </a:fld>
             <a:endParaRPr lang="en-US"/>
@@ -1359,6 +1370,7 @@
           <a:p>
             <a:fld id="{C36AA786-6DD6-4339-B9BF-CE324E70A66C}" type="slidenum">
               <a:rPr lang="en-US" smtClean="0"/>
+              <a:pPr/>
               <a:t>‹#›</a:t>
             </a:fld>
             <a:endParaRPr lang="en-US"/>
@@ -1734,6 +1746,7 @@
           <a:p>
             <a:fld id="{6C008584-796E-40D4-A2F8-D3A5C8D953DC}" type="datetimeFigureOut">
               <a:rPr lang="en-US" smtClean="0"/>
+              <a:pPr/>
               <a:t>4/3/2014</a:t>
             </a:fld>
             <a:endParaRPr lang="en-US"/>
@@ -1776,6 +1789,7 @@
           <a:p>
             <a:fld id="{C36AA786-6DD6-4339-B9BF-CE324E70A66C}" type="slidenum">
               <a:rPr lang="en-US" smtClean="0"/>
+              <a:pPr/>
               <a:t>‹#›</a:t>
             </a:fld>
             <a:endParaRPr lang="en-US"/>
@@ -1847,6 +1861,7 @@
           <a:p>
             <a:fld id="{6C008584-796E-40D4-A2F8-D3A5C8D953DC}" type="datetimeFigureOut">
               <a:rPr lang="en-US" smtClean="0"/>
+              <a:pPr/>
               <a:t>4/3/2014</a:t>
             </a:fld>
             <a:endParaRPr lang="en-US"/>
@@ -1889,6 +1904,7 @@
           <a:p>
             <a:fld id="{C36AA786-6DD6-4339-B9BF-CE324E70A66C}" type="slidenum">
               <a:rPr lang="en-US" smtClean="0"/>
+              <a:pPr/>
               <a:t>‹#›</a:t>
             </a:fld>
             <a:endParaRPr lang="en-US"/>
@@ -1937,6 +1953,7 @@
           <a:p>
             <a:fld id="{6C008584-796E-40D4-A2F8-D3A5C8D953DC}" type="datetimeFigureOut">
               <a:rPr lang="en-US" smtClean="0"/>
+              <a:pPr/>
               <a:t>4/3/2014</a:t>
             </a:fld>
             <a:endParaRPr lang="en-US"/>
@@ -1979,6 +1996,7 @@
           <a:p>
             <a:fld id="{C36AA786-6DD6-4339-B9BF-CE324E70A66C}" type="slidenum">
               <a:rPr lang="en-US" smtClean="0"/>
+              <a:pPr/>
               <a:t>‹#›</a:t>
             </a:fld>
             <a:endParaRPr lang="en-US"/>
@@ -2209,6 +2227,7 @@
           <a:p>
             <a:fld id="{6C008584-796E-40D4-A2F8-D3A5C8D953DC}" type="datetimeFigureOut">
               <a:rPr lang="en-US" smtClean="0"/>
+              <a:pPr/>
               <a:t>4/3/2014</a:t>
             </a:fld>
             <a:endParaRPr lang="en-US"/>
@@ -2251,6 +2270,7 @@
           <a:p>
             <a:fld id="{C36AA786-6DD6-4339-B9BF-CE324E70A66C}" type="slidenum">
               <a:rPr lang="en-US" smtClean="0"/>
+              <a:pPr/>
               <a:t>‹#›</a:t>
             </a:fld>
             <a:endParaRPr lang="en-US"/>
@@ -2457,6 +2477,7 @@
           <a:p>
             <a:fld id="{6C008584-796E-40D4-A2F8-D3A5C8D953DC}" type="datetimeFigureOut">
               <a:rPr lang="en-US" smtClean="0"/>
+              <a:pPr/>
               <a:t>4/3/2014</a:t>
             </a:fld>
             <a:endParaRPr lang="en-US"/>
@@ -2499,6 +2520,7 @@
           <a:p>
             <a:fld id="{C36AA786-6DD6-4339-B9BF-CE324E70A66C}" type="slidenum">
               <a:rPr lang="en-US" smtClean="0"/>
+              <a:pPr/>
               <a:t>‹#›</a:t>
             </a:fld>
             <a:endParaRPr lang="en-US"/>
@@ -2665,6 +2687,7 @@
           <a:p>
             <a:fld id="{6C008584-796E-40D4-A2F8-D3A5C8D953DC}" type="datetimeFigureOut">
               <a:rPr lang="en-US" smtClean="0"/>
+              <a:pPr/>
               <a:t>4/3/2014</a:t>
             </a:fld>
             <a:endParaRPr lang="en-US"/>
@@ -2743,6 +2766,7 @@
           <a:p>
             <a:fld id="{C36AA786-6DD6-4339-B9BF-CE324E70A66C}" type="slidenum">
               <a:rPr lang="en-US" smtClean="0"/>
+              <a:pPr/>
               <a:t>‹#›</a:t>
             </a:fld>
             <a:endParaRPr lang="en-US"/>
@@ -3043,8 +3067,8 @@
         </p:nvSpPr>
         <p:spPr>
           <a:xfrm>
-            <a:off x="685800" y="381001"/>
-            <a:ext cx="7924800" cy="5786199"/>
+            <a:off x="609600" y="228600"/>
+            <a:ext cx="7924800" cy="5478423"/>
           </a:xfrm>
           <a:prstGeom prst="rect">
             <a:avLst/>
@@ -3057,293 +3081,511 @@
           <a:lstStyle/>
           <a:p>
             <a:r>
-              <a:rPr lang="en-US" b="1" dirty="0"/>
-              <a:t>Gordeev, Dmitry 12:50 PM</a:t>
-            </a:r>
-            <a:endParaRPr lang="en-US" b="1" dirty="0" smtClean="0"/>
-          </a:p>
-          <a:p>
-            <a:r>
-              <a:rPr lang="en-US" dirty="0" err="1"/>
-              <a:t>i</a:t>
-            </a:r>
-            <a:r>
-              <a:rPr lang="en-US" dirty="0"/>
-              <a:t> see one major problem - </a:t>
-            </a:r>
-            <a:r>
-              <a:rPr lang="en-US" dirty="0" err="1"/>
-              <a:t>dataContainer</a:t>
-            </a:r>
-            <a:r>
-              <a:rPr lang="en-US" dirty="0"/>
-              <a:t> is defined as collection of entries </a:t>
-            </a:r>
-            <a:r>
-              <a:rPr lang="en-US" dirty="0" smtClean="0"/>
-              <a:t>(</a:t>
-            </a:r>
-            <a:r>
-              <a:rPr lang="en-US" dirty="0" err="1" smtClean="0"/>
-              <a:t>InternalCacheEntry</a:t>
-            </a:r>
-            <a:r>
-              <a:rPr lang="en-US" dirty="0"/>
-              <a:t>). while </a:t>
-            </a:r>
-            <a:r>
-              <a:rPr lang="en-US" dirty="0" err="1"/>
-              <a:t>SharedHashMap</a:t>
-            </a:r>
-            <a:r>
-              <a:rPr lang="en-US" dirty="0"/>
-              <a:t> is itself a container</a:t>
-            </a:r>
-            <a:endParaRPr lang="en-US" dirty="0" smtClean="0"/>
-          </a:p>
-          <a:p>
-            <a:r>
-              <a:rPr lang="en-US" dirty="0"/>
-              <a:t>so it is a conflict in terms of </a:t>
-            </a:r>
-            <a:r>
-              <a:rPr lang="en-US" dirty="0" smtClean="0"/>
-              <a:t>hierarchy</a:t>
-            </a:r>
-          </a:p>
-          <a:p>
-            <a:endParaRPr lang="en-US" dirty="0" smtClean="0"/>
-          </a:p>
-          <a:p>
-            <a:r>
-              <a:rPr lang="en-US" b="1" dirty="0"/>
-              <a:t>Cotton, Ben 12:51 PM</a:t>
-            </a:r>
-            <a:endParaRPr lang="en-US" b="1" dirty="0" smtClean="0"/>
-          </a:p>
-          <a:p>
-            <a:r>
-              <a:rPr lang="en-US" dirty="0" smtClean="0"/>
-              <a:t>Yeah</a:t>
-            </a:r>
-            <a:r>
-              <a:rPr lang="en-US" dirty="0"/>
-              <a:t>.  </a:t>
-            </a:r>
-            <a:r>
-              <a:rPr lang="en-US" dirty="0" err="1"/>
-              <a:t>i</a:t>
-            </a:r>
-            <a:r>
-              <a:rPr lang="en-US" dirty="0"/>
-              <a:t> am not sure we will be able to build this bridge </a:t>
-            </a:r>
-            <a:r>
-              <a:rPr lang="en-US" dirty="0" smtClean="0"/>
-              <a:t>directly with current </a:t>
-            </a:r>
-            <a:r>
-              <a:rPr lang="en-US" dirty="0" err="1"/>
-              <a:t>OpenHFT</a:t>
-            </a:r>
-            <a:r>
-              <a:rPr lang="en-US" dirty="0"/>
-              <a:t> </a:t>
-            </a:r>
-            <a:r>
-              <a:rPr lang="en-US" dirty="0" smtClean="0"/>
-              <a:t>and </a:t>
-            </a:r>
-            <a:r>
-              <a:rPr lang="en-US" dirty="0" err="1"/>
-              <a:t>RedHat</a:t>
-            </a:r>
-            <a:r>
-              <a:rPr lang="en-US" dirty="0"/>
-              <a:t> </a:t>
-            </a:r>
-            <a:r>
-              <a:rPr lang="en-US" dirty="0" smtClean="0"/>
-              <a:t>in-place APIs –they  </a:t>
-            </a:r>
-            <a:r>
-              <a:rPr lang="en-US" dirty="0"/>
-              <a:t>don't </a:t>
-            </a:r>
-            <a:r>
-              <a:rPr lang="en-US" dirty="0" smtClean="0"/>
-              <a:t>align.  We need to build a (light) join-Class to align them.</a:t>
-            </a:r>
-          </a:p>
-          <a:p>
-            <a:endParaRPr lang="en-US" dirty="0" smtClean="0"/>
-          </a:p>
-          <a:p>
-            <a:r>
-              <a:rPr lang="en-US" b="1" dirty="0"/>
-              <a:t>Cotton, Ben 1:27 PM</a:t>
-            </a:r>
-            <a:endParaRPr lang="en-US" b="1" dirty="0" smtClean="0"/>
-          </a:p>
-          <a:p>
-            <a:r>
-              <a:rPr lang="en-US" dirty="0"/>
-              <a:t>How about this:  Could we build </a:t>
-            </a:r>
-            <a:r>
-              <a:rPr lang="en-US" dirty="0" smtClean="0"/>
-              <a:t>a</a:t>
-            </a:r>
-          </a:p>
-          <a:p>
-            <a:endParaRPr lang="en-US" dirty="0" smtClean="0"/>
-          </a:p>
-          <a:p>
-            <a:r>
-              <a:rPr lang="en-US" sz="1400" dirty="0">
+              <a:rPr lang="en-US" sz="1400" dirty="0" smtClean="0">
+                <a:latin typeface="Lucida Console" pitchFamily="49" charset="0"/>
+              </a:rPr>
+              <a:t>p</a:t>
+            </a:r>
+            <a:r>
+              <a:rPr lang="en-US" sz="1400" dirty="0" smtClean="0">
+                <a:latin typeface="Lucida Console" pitchFamily="49" charset="0"/>
+              </a:rPr>
+              <a:t>ublic class </a:t>
+            </a:r>
+            <a:r>
+              <a:rPr lang="en-US" sz="1400" b="1" dirty="0" err="1" smtClean="0">
+                <a:latin typeface="Lucida Console" pitchFamily="49" charset="0"/>
+              </a:rPr>
+              <a:t>OffHeapDefaultDataContainer</a:t>
+            </a:r>
+            <a:r>
+              <a:rPr lang="en-US" sz="1400" b="1" dirty="0" smtClean="0">
+                <a:latin typeface="Lucida Console" pitchFamily="49" charset="0"/>
+              </a:rPr>
+              <a:t>&lt;K,V&gt;</a:t>
+            </a:r>
+            <a:r>
+              <a:rPr lang="en-US" sz="1400" dirty="0" smtClean="0">
+                <a:latin typeface="Lucida Console" pitchFamily="49" charset="0"/>
+              </a:rPr>
+              <a:t> implements </a:t>
+            </a:r>
+            <a:r>
+              <a:rPr lang="en-US" sz="1400" b="1" dirty="0" err="1" smtClean="0">
                 <a:solidFill>
-                  <a:schemeClr val="tx2"/>
+                  <a:srgbClr val="C00000"/>
                 </a:solidFill>
                 <a:latin typeface="Lucida Console" pitchFamily="49" charset="0"/>
               </a:rPr>
-              <a:t>class </a:t>
-            </a:r>
-            <a:r>
-              <a:rPr lang="en-US" sz="1400" dirty="0" err="1" smtClean="0">
-                <a:solidFill>
-                  <a:schemeClr val="tx2"/>
-                </a:solidFill>
-                <a:latin typeface="Lucida Console" pitchFamily="49" charset="0"/>
-              </a:rPr>
-              <a:t>JPMExtendedSHM</a:t>
-            </a:r>
-            <a:r>
-              <a:rPr lang="en-US" sz="1400" dirty="0" smtClean="0">
-                <a:solidFill>
-                  <a:schemeClr val="tx2"/>
-                </a:solidFill>
-                <a:latin typeface="Lucida Console" pitchFamily="49" charset="0"/>
-              </a:rPr>
-              <a:t> </a:t>
-            </a:r>
-            <a:r>
-              <a:rPr lang="en-US" sz="1400" dirty="0">
-                <a:solidFill>
-                  <a:schemeClr val="tx2"/>
-                </a:solidFill>
-                <a:latin typeface="Lucida Console" pitchFamily="49" charset="0"/>
-              </a:rPr>
-              <a:t>extends VSHM implements </a:t>
-            </a:r>
-            <a:r>
-              <a:rPr lang="en-US" sz="1400" dirty="0" err="1">
-                <a:solidFill>
-                  <a:schemeClr val="tx2"/>
-                </a:solidFill>
-                <a:latin typeface="Lucida Console" pitchFamily="49" charset="0"/>
-              </a:rPr>
               <a:t>DataContainer</a:t>
             </a:r>
             <a:r>
-              <a:rPr lang="en-US" sz="1400" dirty="0">
-                <a:solidFill>
-                  <a:schemeClr val="tx2"/>
-                </a:solidFill>
-                <a:latin typeface="Lucida Console" pitchFamily="49" charset="0"/>
-              </a:rPr>
-              <a:t> { </a:t>
-            </a:r>
+              <a:rPr lang="en-US" sz="1400" dirty="0" smtClean="0">
+                <a:latin typeface="Lucida Console" pitchFamily="49" charset="0"/>
+              </a:rPr>
+              <a:t> {</a:t>
+            </a:r>
+          </a:p>
+          <a:p>
             <a:endParaRPr lang="en-US" sz="1400" dirty="0" smtClean="0">
-              <a:solidFill>
-                <a:schemeClr val="tx2"/>
-              </a:solidFill>
               <a:latin typeface="Lucida Console" pitchFamily="49" charset="0"/>
             </a:endParaRPr>
           </a:p>
           <a:p>
             <a:r>
-              <a:rPr lang="en-US" sz="1400" dirty="0">
-                <a:solidFill>
-                  <a:schemeClr val="tx2"/>
-                </a:solidFill>
-                <a:latin typeface="Lucida Console" pitchFamily="49" charset="0"/>
-              </a:rPr>
-              <a:t>}</a:t>
+              <a:rPr lang="en-US" sz="1400" dirty="0" smtClean="0">
+                <a:latin typeface="Lucida Console" pitchFamily="49" charset="0"/>
+              </a:rPr>
+              <a:t>	</a:t>
+            </a:r>
+            <a:r>
+              <a:rPr lang="en-US" sz="1400" dirty="0" smtClean="0">
+                <a:latin typeface="Lucida Console" pitchFamily="49" charset="0"/>
+              </a:rPr>
+              <a:t>private </a:t>
+            </a:r>
+            <a:r>
+              <a:rPr lang="en-US" sz="1400" b="1" dirty="0" err="1" smtClean="0">
+                <a:latin typeface="Lucida Console" pitchFamily="49" charset="0"/>
+              </a:rPr>
+              <a:t>JPMExtendedSharedHashMap</a:t>
+            </a:r>
+            <a:r>
+              <a:rPr lang="en-US" sz="1400" b="1" dirty="0" smtClean="0">
+                <a:latin typeface="Lucida Console" pitchFamily="49" charset="0"/>
+              </a:rPr>
+              <a:t>&lt;K,V&gt;</a:t>
+            </a:r>
+            <a:r>
+              <a:rPr lang="en-US" sz="1400" dirty="0" smtClean="0">
+                <a:latin typeface="Lucida Console" pitchFamily="49" charset="0"/>
+              </a:rPr>
+              <a:t>  entries;</a:t>
             </a:r>
             <a:endParaRPr lang="en-US" sz="1400" dirty="0" smtClean="0">
-              <a:solidFill>
-                <a:schemeClr val="tx2"/>
-              </a:solidFill>
               <a:latin typeface="Lucida Console" pitchFamily="49" charset="0"/>
             </a:endParaRPr>
           </a:p>
           <a:p>
-            <a:endParaRPr lang="en-US" dirty="0" smtClean="0"/>
-          </a:p>
-          <a:p>
-            <a:r>
-              <a:rPr lang="en-US" dirty="0" smtClean="0"/>
-              <a:t>?</a:t>
-            </a:r>
-            <a:r>
-              <a:rPr lang="en-US" dirty="0"/>
-              <a:t/>
-            </a:r>
-            <a:br>
-              <a:rPr lang="en-US" dirty="0"/>
-            </a:br>
-            <a:r>
-              <a:rPr lang="en-US" dirty="0" smtClean="0"/>
-              <a:t>I'm </a:t>
-            </a:r>
-            <a:r>
-              <a:rPr lang="en-US" dirty="0" err="1"/>
-              <a:t>gonna</a:t>
-            </a:r>
-            <a:r>
-              <a:rPr lang="en-US" dirty="0"/>
-              <a:t> play with that.  Let me know if you see </a:t>
-            </a:r>
-            <a:r>
-              <a:rPr lang="en-US" dirty="0" smtClean="0"/>
-              <a:t>concern</a:t>
-            </a:r>
-          </a:p>
-          <a:p>
-            <a:endParaRPr lang="en-US" dirty="0" smtClean="0"/>
-          </a:p>
-          <a:p>
-            <a:r>
-              <a:rPr lang="en-US" b="1" dirty="0"/>
-              <a:t>Gordeev, Dmitry 1:31 PM</a:t>
-            </a:r>
-            <a:endParaRPr lang="en-US" b="1" dirty="0" smtClean="0"/>
-          </a:p>
-          <a:p>
-            <a:r>
-              <a:rPr lang="en-US" dirty="0"/>
-              <a:t>yes, I</a:t>
-            </a:r>
-            <a:r>
-              <a:rPr lang="en-US" dirty="0" smtClean="0"/>
+            <a:endParaRPr lang="en-US" sz="1400" dirty="0" smtClean="0">
+              <a:latin typeface="Lucida Console" pitchFamily="49" charset="0"/>
+            </a:endParaRPr>
+          </a:p>
+          <a:p>
+            <a:r>
+              <a:rPr lang="en-US" sz="1400" dirty="0" smtClean="0">
+                <a:latin typeface="Lucida Console" pitchFamily="49" charset="0"/>
+              </a:rPr>
+              <a:t>}</a:t>
+            </a:r>
+            <a:r>
+              <a:rPr lang="en-US" sz="1400" dirty="0" smtClean="0">
+                <a:latin typeface="Lucida Console" pitchFamily="49" charset="0"/>
+              </a:rPr>
               <a:t> </a:t>
             </a:r>
-            <a:r>
-              <a:rPr lang="en-US" dirty="0"/>
-              <a:t>think this is something </a:t>
-            </a:r>
-            <a:r>
-              <a:rPr lang="en-US" dirty="0" smtClean="0"/>
-              <a:t>definitely </a:t>
-            </a:r>
-            <a:r>
-              <a:rPr lang="en-US" dirty="0"/>
-              <a:t>worth </a:t>
-            </a:r>
-            <a:r>
-              <a:rPr lang="en-US" dirty="0" smtClean="0"/>
-              <a:t>trying</a:t>
-            </a:r>
+          </a:p>
+          <a:p>
+            <a:endParaRPr lang="en-US" sz="1400" dirty="0" smtClean="0">
+              <a:latin typeface="Lucida Console" pitchFamily="49" charset="0"/>
+            </a:endParaRPr>
+          </a:p>
+          <a:p>
+            <a:endParaRPr lang="en-US" sz="1400" dirty="0" smtClean="0">
+              <a:latin typeface="Lucida Console" pitchFamily="49" charset="0"/>
+            </a:endParaRPr>
+          </a:p>
+          <a:p>
+            <a:r>
+              <a:rPr lang="en-US" sz="1400" dirty="0" smtClean="0">
+                <a:latin typeface="Lucida Console" pitchFamily="49" charset="0"/>
+              </a:rPr>
+              <a:t>Public class </a:t>
+            </a:r>
+            <a:r>
+              <a:rPr lang="en-US" sz="1400" b="1" dirty="0" err="1" smtClean="0">
+                <a:latin typeface="Lucida Console" pitchFamily="49" charset="0"/>
+              </a:rPr>
+              <a:t>JPMExtendedSharedHashMap</a:t>
+            </a:r>
+            <a:r>
+              <a:rPr lang="en-US" sz="1400" b="1" dirty="0" smtClean="0">
+                <a:latin typeface="Lucida Console" pitchFamily="49" charset="0"/>
+              </a:rPr>
+              <a:t>&lt;K,V&gt;</a:t>
+            </a:r>
+            <a:r>
+              <a:rPr lang="en-US" sz="1400" dirty="0" smtClean="0">
+                <a:latin typeface="Lucida Console" pitchFamily="49" charset="0"/>
+              </a:rPr>
+              <a:t> extends </a:t>
+            </a:r>
+            <a:r>
+              <a:rPr lang="en-US" sz="1400" b="1" dirty="0" smtClean="0">
+                <a:solidFill>
+                  <a:srgbClr val="0000FF"/>
+                </a:solidFill>
+                <a:latin typeface="Lucida Console" pitchFamily="49" charset="0"/>
+              </a:rPr>
+              <a:t>VSHM&lt;K,V&gt;</a:t>
+            </a:r>
+            <a:r>
+              <a:rPr lang="en-US" sz="1400" dirty="0" smtClean="0">
+                <a:latin typeface="Lucida Console" pitchFamily="49" charset="0"/>
+              </a:rPr>
+              <a:t>  {</a:t>
+            </a:r>
+          </a:p>
+          <a:p>
+            <a:endParaRPr lang="en-US" sz="1400" dirty="0" smtClean="0">
+              <a:latin typeface="Lucida Console" pitchFamily="49" charset="0"/>
+            </a:endParaRPr>
+          </a:p>
+          <a:p>
+            <a:r>
+              <a:rPr lang="en-US" sz="1400" dirty="0" smtClean="0">
+                <a:latin typeface="Lucida Console" pitchFamily="49" charset="0"/>
+              </a:rPr>
+              <a:t>	@</a:t>
+            </a:r>
+            <a:r>
+              <a:rPr lang="en-US" sz="1400" dirty="0" smtClean="0">
+                <a:latin typeface="Lucida Console" pitchFamily="49" charset="0"/>
+              </a:rPr>
+              <a:t>Override </a:t>
+            </a:r>
+            <a:endParaRPr lang="en-US" sz="1400" dirty="0" smtClean="0">
+              <a:latin typeface="Lucida Console" pitchFamily="49" charset="0"/>
+            </a:endParaRPr>
+          </a:p>
+          <a:p>
+            <a:r>
+              <a:rPr lang="en-US" sz="1400" dirty="0" smtClean="0">
+                <a:latin typeface="Lucida Console" pitchFamily="49" charset="0"/>
+              </a:rPr>
+              <a:t>	</a:t>
+            </a:r>
+            <a:r>
+              <a:rPr lang="en-US" sz="1400" dirty="0" smtClean="0">
+                <a:latin typeface="Lucida Console" pitchFamily="49" charset="0"/>
+              </a:rPr>
+              <a:t>public </a:t>
+            </a:r>
+            <a:r>
+              <a:rPr lang="en-US" sz="1400" b="1" dirty="0" smtClean="0">
+                <a:latin typeface="Lucida Console" pitchFamily="49" charset="0"/>
+              </a:rPr>
+              <a:t>Set&lt;Entry&lt;K,V&gt;</a:t>
+            </a:r>
+            <a:r>
+              <a:rPr lang="en-US" sz="1400" dirty="0" smtClean="0">
+                <a:latin typeface="Lucida Console" pitchFamily="49" charset="0"/>
+              </a:rPr>
+              <a:t>&gt; </a:t>
+            </a:r>
+            <a:r>
+              <a:rPr lang="en-US" sz="1400" dirty="0" err="1" smtClean="0">
+                <a:latin typeface="Lucida Console" pitchFamily="49" charset="0"/>
+              </a:rPr>
+              <a:t>entrySet</a:t>
+            </a:r>
+            <a:r>
+              <a:rPr lang="en-US" sz="1400" dirty="0" smtClean="0">
+                <a:latin typeface="Lucida Console" pitchFamily="49" charset="0"/>
+              </a:rPr>
+              <a:t>(){</a:t>
+            </a:r>
+          </a:p>
+          <a:p>
+            <a:r>
+              <a:rPr lang="en-US" sz="1400" dirty="0" smtClean="0">
+                <a:latin typeface="Lucida Console" pitchFamily="49" charset="0"/>
+              </a:rPr>
+              <a:t>	</a:t>
+            </a:r>
+            <a:r>
+              <a:rPr lang="en-US" sz="1400" dirty="0" smtClean="0">
+                <a:latin typeface="Lucida Console" pitchFamily="49" charset="0"/>
+              </a:rPr>
+              <a:t>     //</a:t>
+            </a:r>
+            <a:r>
+              <a:rPr lang="en-US" sz="1400" dirty="0" smtClean="0">
+                <a:latin typeface="Lucida Console" pitchFamily="49" charset="0"/>
+              </a:rPr>
+              <a:t>override </a:t>
+            </a:r>
+            <a:r>
+              <a:rPr lang="en-US" sz="1400" dirty="0" err="1" smtClean="0">
+                <a:latin typeface="Lucida Console" pitchFamily="49" charset="0"/>
+              </a:rPr>
+              <a:t>entrySet</a:t>
+            </a:r>
+            <a:r>
+              <a:rPr lang="en-US" sz="1400" dirty="0" smtClean="0">
+                <a:latin typeface="Lucida Console" pitchFamily="49" charset="0"/>
+              </a:rPr>
+              <a:t>() to use your Entry class </a:t>
+            </a:r>
+            <a:endParaRPr lang="en-US" sz="1400" dirty="0" smtClean="0">
+              <a:latin typeface="Lucida Console" pitchFamily="49" charset="0"/>
+            </a:endParaRPr>
+          </a:p>
+          <a:p>
+            <a:r>
+              <a:rPr lang="en-US" sz="1400" dirty="0" smtClean="0">
+                <a:latin typeface="Lucida Console" pitchFamily="49" charset="0"/>
+              </a:rPr>
+              <a:t>	}</a:t>
+            </a:r>
+          </a:p>
+          <a:p>
+            <a:r>
+              <a:rPr lang="en-US" sz="1400" dirty="0" smtClean="0">
+                <a:latin typeface="Lucida Console" pitchFamily="49" charset="0"/>
+              </a:rPr>
+              <a:t> </a:t>
+            </a:r>
+          </a:p>
+          <a:p>
+            <a:r>
+              <a:rPr lang="en-US" sz="1400" dirty="0" smtClean="0">
+                <a:latin typeface="Lucida Console" pitchFamily="49" charset="0"/>
+              </a:rPr>
+              <a:t>	</a:t>
+            </a:r>
+            <a:r>
+              <a:rPr lang="en-US" sz="1400" dirty="0" smtClean="0">
+                <a:latin typeface="Lucida Console" pitchFamily="49" charset="0"/>
+              </a:rPr>
+              <a:t>static </a:t>
+            </a:r>
+            <a:r>
+              <a:rPr lang="en-US" sz="1400" dirty="0" smtClean="0">
+                <a:latin typeface="Lucida Console" pitchFamily="49" charset="0"/>
+              </a:rPr>
+              <a:t>class </a:t>
+            </a:r>
+            <a:r>
+              <a:rPr lang="en-US" sz="1400" i="1" dirty="0" err="1" smtClean="0">
+                <a:latin typeface="Lucida Console" pitchFamily="49" charset="0"/>
+              </a:rPr>
+              <a:t>JPMExtendedSHMandICEEntry</a:t>
+            </a:r>
+            <a:r>
+              <a:rPr lang="en-US" sz="1400" i="1" dirty="0" smtClean="0">
+                <a:latin typeface="Lucida Console" pitchFamily="49" charset="0"/>
+              </a:rPr>
+              <a:t>&lt;K,V</a:t>
+            </a:r>
+            <a:r>
+              <a:rPr lang="en-US" sz="1400" i="1" dirty="0" smtClean="0">
+                <a:latin typeface="Lucida Console" pitchFamily="49" charset="0"/>
+              </a:rPr>
+              <a:t>&gt;</a:t>
+            </a:r>
+            <a:r>
+              <a:rPr lang="en-US" sz="1400" b="1" i="1" dirty="0" smtClean="0">
+                <a:latin typeface="Lucida Console" pitchFamily="49" charset="0"/>
+              </a:rPr>
+              <a:t> </a:t>
+            </a:r>
+            <a:endParaRPr lang="en-US" sz="1400" b="1" i="1" dirty="0" smtClean="0">
+              <a:latin typeface="Lucida Console" pitchFamily="49" charset="0"/>
+            </a:endParaRPr>
+          </a:p>
+          <a:p>
+            <a:r>
+              <a:rPr lang="en-US" sz="1400" dirty="0" smtClean="0">
+                <a:latin typeface="Lucida Console" pitchFamily="49" charset="0"/>
+              </a:rPr>
+              <a:t>	</a:t>
+            </a:r>
+            <a:r>
+              <a:rPr lang="en-US" sz="1400" dirty="0" smtClean="0">
+                <a:latin typeface="Lucida Console" pitchFamily="49" charset="0"/>
+              </a:rPr>
+              <a:t>			extends 								</a:t>
+            </a:r>
+            <a:r>
+              <a:rPr lang="en-US" sz="1400" i="1" dirty="0" err="1" smtClean="0">
+                <a:latin typeface="Lucida Console" pitchFamily="49" charset="0"/>
+              </a:rPr>
+              <a:t>AbstractHashMap.SimpleEntry</a:t>
+            </a:r>
+            <a:r>
+              <a:rPr lang="en-US" sz="1400" i="1" dirty="0" smtClean="0">
+                <a:latin typeface="Lucida Console" pitchFamily="49" charset="0"/>
+              </a:rPr>
+              <a:t>&lt;K,V</a:t>
+            </a:r>
+            <a:r>
+              <a:rPr lang="en-US" sz="1400" i="1" dirty="0" smtClean="0">
+                <a:latin typeface="Lucida Console" pitchFamily="49" charset="0"/>
+              </a:rPr>
+              <a:t>&gt;</a:t>
+            </a:r>
+            <a:r>
+              <a:rPr lang="en-US" sz="1400" dirty="0" smtClean="0">
+                <a:latin typeface="Lucida Console" pitchFamily="49" charset="0"/>
+              </a:rPr>
+              <a:t> </a:t>
+            </a:r>
+            <a:r>
+              <a:rPr lang="en-US" sz="1400" dirty="0" smtClean="0">
+                <a:latin typeface="Lucida Console" pitchFamily="49" charset="0"/>
+              </a:rPr>
+              <a:t>					implements </a:t>
+            </a:r>
+            <a:r>
+              <a:rPr lang="en-US" sz="1400" b="1" dirty="0" err="1" smtClean="0">
+                <a:solidFill>
+                  <a:srgbClr val="C00000"/>
+                </a:solidFill>
+                <a:latin typeface="Lucida Console" pitchFamily="49" charset="0"/>
+              </a:rPr>
+              <a:t>InternalCacheEntry</a:t>
+            </a:r>
+            <a:r>
+              <a:rPr lang="en-US" sz="1400" dirty="0" smtClean="0">
+                <a:latin typeface="Lucida Console" pitchFamily="49" charset="0"/>
+              </a:rPr>
+              <a:t>  { </a:t>
+            </a:r>
+          </a:p>
+          <a:p>
+            <a:r>
+              <a:rPr lang="en-US" sz="1400" dirty="0" smtClean="0">
+                <a:latin typeface="Lucida Console" pitchFamily="49" charset="0"/>
+              </a:rPr>
+              <a:t>	</a:t>
+            </a:r>
+          </a:p>
+          <a:p>
+            <a:r>
+              <a:rPr lang="en-US" sz="1400" dirty="0" smtClean="0">
+                <a:latin typeface="Lucida Console" pitchFamily="49" charset="0"/>
+              </a:rPr>
+              <a:t>	</a:t>
+            </a:r>
+            <a:r>
+              <a:rPr lang="en-US" sz="1400" dirty="0" smtClean="0">
+                <a:latin typeface="Lucida Console" pitchFamily="49" charset="0"/>
+              </a:rPr>
+              <a:t>	public </a:t>
+            </a:r>
+            <a:r>
+              <a:rPr lang="en-US" sz="1400" i="1" dirty="0" err="1" smtClean="0">
+                <a:latin typeface="Lucida Console" pitchFamily="49" charset="0"/>
+              </a:rPr>
+              <a:t>JPMExtendedSHMandICEEntry</a:t>
+            </a:r>
+            <a:r>
+              <a:rPr lang="en-US" sz="1400" i="1" dirty="0" smtClean="0">
+                <a:latin typeface="Lucida Console" pitchFamily="49" charset="0"/>
+              </a:rPr>
+              <a:t> </a:t>
+            </a:r>
+            <a:r>
+              <a:rPr lang="en-US" sz="1400" dirty="0" smtClean="0">
+                <a:latin typeface="Lucida Console" pitchFamily="49" charset="0"/>
+              </a:rPr>
+              <a:t>(</a:t>
+            </a:r>
+            <a:r>
+              <a:rPr lang="en-US" sz="1400" dirty="0" smtClean="0">
+                <a:latin typeface="Lucida Console" pitchFamily="49" charset="0"/>
+              </a:rPr>
+              <a:t>K key, V value</a:t>
+            </a:r>
+            <a:r>
+              <a:rPr lang="en-US" sz="1400" dirty="0" smtClean="0">
+                <a:latin typeface="Lucida Console" pitchFamily="49" charset="0"/>
+              </a:rPr>
+              <a:t>){</a:t>
+            </a:r>
+          </a:p>
+          <a:p>
+            <a:r>
+              <a:rPr lang="en-US" sz="1400" dirty="0" smtClean="0">
+                <a:latin typeface="Lucida Console" pitchFamily="49" charset="0"/>
+              </a:rPr>
+              <a:t>	</a:t>
+            </a:r>
+            <a:r>
+              <a:rPr lang="en-US" sz="1400" dirty="0" smtClean="0">
+                <a:latin typeface="Lucida Console" pitchFamily="49" charset="0"/>
+              </a:rPr>
+              <a:t>		 </a:t>
+            </a:r>
+            <a:r>
+              <a:rPr lang="en-US" sz="1400" dirty="0" smtClean="0">
+                <a:latin typeface="Lucida Console" pitchFamily="49" charset="0"/>
+              </a:rPr>
+              <a:t>super(</a:t>
+            </a:r>
+            <a:r>
+              <a:rPr lang="en-US" sz="1400" dirty="0" err="1" smtClean="0">
+                <a:latin typeface="Lucida Console" pitchFamily="49" charset="0"/>
+              </a:rPr>
+              <a:t>key,value</a:t>
+            </a:r>
+            <a:r>
+              <a:rPr lang="en-US" sz="1400" dirty="0" smtClean="0">
+                <a:latin typeface="Lucida Console" pitchFamily="49" charset="0"/>
+              </a:rPr>
+              <a:t>); </a:t>
+            </a:r>
+            <a:endParaRPr lang="en-US" sz="1400" dirty="0" smtClean="0">
+              <a:latin typeface="Lucida Console" pitchFamily="49" charset="0"/>
+            </a:endParaRPr>
+          </a:p>
+          <a:p>
+            <a:r>
+              <a:rPr lang="en-US" sz="1400" dirty="0" smtClean="0">
+                <a:latin typeface="Lucida Console" pitchFamily="49" charset="0"/>
+              </a:rPr>
+              <a:t>	</a:t>
+            </a:r>
+            <a:r>
+              <a:rPr lang="en-US" sz="1400" smtClean="0">
+                <a:latin typeface="Lucida Console" pitchFamily="49" charset="0"/>
+              </a:rPr>
+              <a:t>	}</a:t>
+            </a:r>
+            <a:endParaRPr lang="en-US" sz="1400" dirty="0" smtClean="0">
+              <a:latin typeface="Lucida Console" pitchFamily="49" charset="0"/>
+            </a:endParaRPr>
+          </a:p>
+          <a:p>
+            <a:r>
+              <a:rPr lang="en-US" sz="1400" dirty="0" smtClean="0">
+                <a:latin typeface="Lucida Console" pitchFamily="49" charset="0"/>
+              </a:rPr>
+              <a:t>	</a:t>
+            </a:r>
+            <a:r>
+              <a:rPr lang="en-US" sz="1400" dirty="0" smtClean="0">
+                <a:latin typeface="Lucida Console" pitchFamily="49" charset="0"/>
+              </a:rPr>
+              <a:t>}</a:t>
+            </a:r>
+          </a:p>
+          <a:p>
+            <a:endParaRPr lang="en-US" sz="1400" dirty="0" smtClean="0">
+              <a:latin typeface="Lucida Console" pitchFamily="49" charset="0"/>
+            </a:endParaRPr>
+          </a:p>
+          <a:p>
+            <a:r>
+              <a:rPr lang="en-US" sz="1400" dirty="0" smtClean="0">
+                <a:latin typeface="Lucida Console" pitchFamily="49" charset="0"/>
+              </a:rPr>
+              <a:t>}</a:t>
+            </a:r>
+            <a:endParaRPr lang="en-US" sz="1400" dirty="0" smtClean="0">
+              <a:latin typeface="Lucida Console" pitchFamily="49" charset="0"/>
+            </a:endParaRPr>
           </a:p>
         </p:txBody>
       </p:sp>

--- a/off-heap/Presentation1.pptx
+++ b/off-heap/Presentation1.pptx
@@ -3068,7 +3068,7 @@
         <p:spPr>
           <a:xfrm>
             <a:off x="609600" y="228600"/>
-            <a:ext cx="7924800" cy="5478423"/>
+            <a:ext cx="7924800" cy="5693866"/>
           </a:xfrm>
           <a:prstGeom prst="rect">
             <a:avLst/>
@@ -3084,13 +3084,7 @@
               <a:rPr lang="en-US" sz="1400" dirty="0" smtClean="0">
                 <a:latin typeface="Lucida Console" pitchFamily="49" charset="0"/>
               </a:rPr>
-              <a:t>p</a:t>
-            </a:r>
-            <a:r>
-              <a:rPr lang="en-US" sz="1400" dirty="0" smtClean="0">
-                <a:latin typeface="Lucida Console" pitchFamily="49" charset="0"/>
-              </a:rPr>
-              <a:t>ublic class </a:t>
+              <a:t>public class </a:t>
             </a:r>
             <a:r>
               <a:rPr lang="en-US" sz="1400" b="1" dirty="0" err="1" smtClean="0">
@@ -3136,66 +3130,51 @@
               <a:rPr lang="en-US" sz="1400" dirty="0" smtClean="0">
                 <a:latin typeface="Lucida Console" pitchFamily="49" charset="0"/>
               </a:rPr>
-              <a:t>	</a:t>
+              <a:t>	private </a:t>
+            </a:r>
+            <a:r>
+              <a:rPr lang="en-US" sz="1400" b="1" dirty="0" err="1" smtClean="0">
+                <a:latin typeface="Lucida Console" pitchFamily="49" charset="0"/>
+              </a:rPr>
+              <a:t>JPMxSharedHashMap</a:t>
+            </a:r>
+            <a:r>
+              <a:rPr lang="en-US" sz="1400" b="1" dirty="0" smtClean="0">
+                <a:latin typeface="Lucida Console" pitchFamily="49" charset="0"/>
+              </a:rPr>
+              <a:t>&lt;K,V&gt;</a:t>
             </a:r>
             <a:r>
               <a:rPr lang="en-US" sz="1400" dirty="0" smtClean="0">
                 <a:latin typeface="Lucida Console" pitchFamily="49" charset="0"/>
               </a:rPr>
-              <a:t>private </a:t>
-            </a:r>
-            <a:r>
-              <a:rPr lang="en-US" sz="1400" b="1" dirty="0" err="1" smtClean="0">
-                <a:latin typeface="Lucida Console" pitchFamily="49" charset="0"/>
-              </a:rPr>
-              <a:t>JPMExtendedSharedHashMap</a:t>
-            </a:r>
-            <a:r>
-              <a:rPr lang="en-US" sz="1400" b="1" dirty="0" smtClean="0">
-                <a:latin typeface="Lucida Console" pitchFamily="49" charset="0"/>
-              </a:rPr>
-              <a:t>&lt;K,V&gt;</a:t>
-            </a:r>
-            <a:r>
-              <a:rPr lang="en-US" sz="1400" dirty="0" smtClean="0">
-                <a:latin typeface="Lucida Console" pitchFamily="49" charset="0"/>
-              </a:rPr>
               <a:t>  entries;</a:t>
             </a:r>
+          </a:p>
+          <a:p>
             <a:endParaRPr lang="en-US" sz="1400" dirty="0" smtClean="0">
               <a:latin typeface="Lucida Console" pitchFamily="49" charset="0"/>
             </a:endParaRPr>
           </a:p>
           <a:p>
+            <a:r>
+              <a:rPr lang="en-US" sz="1400" dirty="0" smtClean="0">
+                <a:latin typeface="Lucida Console" pitchFamily="49" charset="0"/>
+              </a:rPr>
+              <a:t>} </a:t>
+            </a:r>
+          </a:p>
+          <a:p>
             <a:endParaRPr lang="en-US" sz="1400" dirty="0" smtClean="0">
               <a:latin typeface="Lucida Console" pitchFamily="49" charset="0"/>
             </a:endParaRPr>
           </a:p>
           <a:p>
-            <a:r>
-              <a:rPr lang="en-US" sz="1400" dirty="0" smtClean="0">
-                <a:latin typeface="Lucida Console" pitchFamily="49" charset="0"/>
-              </a:rPr>
-              <a:t>}</a:t>
-            </a:r>
-            <a:r>
-              <a:rPr lang="en-US" sz="1400" dirty="0" smtClean="0">
-                <a:latin typeface="Lucida Console" pitchFamily="49" charset="0"/>
-              </a:rPr>
-              <a:t> </a:t>
-            </a:r>
-          </a:p>
-          <a:p>
             <a:endParaRPr lang="en-US" sz="1400" dirty="0" smtClean="0">
               <a:latin typeface="Lucida Console" pitchFamily="49" charset="0"/>
             </a:endParaRPr>
           </a:p>
           <a:p>
-            <a:endParaRPr lang="en-US" sz="1400" dirty="0" smtClean="0">
-              <a:latin typeface="Lucida Console" pitchFamily="49" charset="0"/>
-            </a:endParaRPr>
-          </a:p>
-          <a:p>
             <a:r>
               <a:rPr lang="en-US" sz="1400" dirty="0" smtClean="0">
                 <a:latin typeface="Lucida Console" pitchFamily="49" charset="0"/>
@@ -3206,7 +3185,7 @@
               <a:rPr lang="en-US" sz="1400" b="1" dirty="0" err="1" smtClean="0">
                 <a:latin typeface="Lucida Console" pitchFamily="49" charset="0"/>
               </a:rPr>
-              <a:t>JPMExtendedSharedHashMap</a:t>
+              <a:t>JPMxSharedHashMap</a:t>
             </a:r>
             <a:r>
               <a:rPr lang="en-US" sz="1400" b="1" dirty="0" smtClean="0">
@@ -3219,6 +3198,15 @@
                 <a:latin typeface="Lucida Console" pitchFamily="49" charset="0"/>
               </a:rPr>
               <a:t> extends </a:t>
+            </a:r>
+            <a:r>
+              <a:rPr lang="en-US" sz="1400" b="1" dirty="0" err="1" smtClean="0">
+                <a:solidFill>
+                  <a:srgbClr val="0000FF"/>
+                </a:solidFill>
+                <a:latin typeface="Lucida Console" pitchFamily="49" charset="0"/>
+              </a:rPr>
+              <a:t>VanillaSharedHashMap</a:t>
             </a:r>
             <a:r>
               <a:rPr lang="en-US" sz="1400" b="1" dirty="0" smtClean="0">
@@ -3227,7 +3215,7 @@
                 </a:solidFill>
                 <a:latin typeface="Lucida Console" pitchFamily="49" charset="0"/>
               </a:rPr>
-              <a:t>VSHM&lt;K,V&gt;</a:t>
+              <a:t>&lt;K,V&gt;</a:t>
             </a:r>
             <a:r>
               <a:rPr lang="en-US" sz="1400" dirty="0" smtClean="0">
@@ -3246,42 +3234,47 @@
               <a:rPr lang="en-US" sz="1400" dirty="0" smtClean="0">
                 <a:latin typeface="Lucida Console" pitchFamily="49" charset="0"/>
               </a:rPr>
-              <a:t>	@</a:t>
-            </a:r>
+              <a:t>	@Override </a:t>
+            </a:r>
+          </a:p>
+          <a:p>
             <a:r>
               <a:rPr lang="en-US" sz="1400" dirty="0" smtClean="0">
                 <a:latin typeface="Lucida Console" pitchFamily="49" charset="0"/>
               </a:rPr>
-              <a:t>Override </a:t>
-            </a:r>
-            <a:endParaRPr lang="en-US" sz="1400" dirty="0" smtClean="0">
-              <a:latin typeface="Lucida Console" pitchFamily="49" charset="0"/>
-            </a:endParaRPr>
-          </a:p>
-          <a:p>
+              <a:t>	public </a:t>
+            </a:r>
+            <a:r>
+              <a:rPr lang="en-US" sz="1400" b="1" dirty="0" smtClean="0">
+                <a:latin typeface="Lucida Console" pitchFamily="49" charset="0"/>
+              </a:rPr>
+              <a:t>Set&lt;Entry&lt;K,V&gt;</a:t>
+            </a:r>
             <a:r>
               <a:rPr lang="en-US" sz="1400" dirty="0" smtClean="0">
                 <a:latin typeface="Lucida Console" pitchFamily="49" charset="0"/>
               </a:rPr>
-              <a:t>	</a:t>
+              <a:t>&gt; </a:t>
+            </a:r>
+            <a:r>
+              <a:rPr lang="en-US" sz="1400" dirty="0" err="1" smtClean="0">
+                <a:latin typeface="Lucida Console" pitchFamily="49" charset="0"/>
+              </a:rPr>
+              <a:t>entrySet</a:t>
             </a:r>
             <a:r>
               <a:rPr lang="en-US" sz="1400" dirty="0" smtClean="0">
                 <a:latin typeface="Lucida Console" pitchFamily="49" charset="0"/>
               </a:rPr>
-              <a:t>public </a:t>
-            </a:r>
-            <a:r>
-              <a:rPr lang="en-US" sz="1400" b="1" dirty="0" smtClean="0">
-                <a:latin typeface="Lucida Console" pitchFamily="49" charset="0"/>
-              </a:rPr>
-              <a:t>Set&lt;Entry&lt;K,V&gt;</a:t>
-            </a:r>
+              <a:t>(){</a:t>
+            </a:r>
+          </a:p>
+          <a:p>
             <a:r>
               <a:rPr lang="en-US" sz="1400" dirty="0" smtClean="0">
                 <a:latin typeface="Lucida Console" pitchFamily="49" charset="0"/>
               </a:rPr>
-              <a:t>&gt; </a:t>
+              <a:t>	     //override </a:t>
             </a:r>
             <a:r>
               <a:rPr lang="en-US" sz="1400" dirty="0" err="1" smtClean="0">
@@ -3293,50 +3286,73 @@
               <a:rPr lang="en-US" sz="1400" dirty="0" smtClean="0">
                 <a:latin typeface="Lucida Console" pitchFamily="49" charset="0"/>
               </a:rPr>
-              <a:t>(){</a:t>
-            </a:r>
-          </a:p>
-          <a:p>
+              <a:t>() to </a:t>
+            </a:r>
+            <a:r>
+              <a:rPr lang="en-US" sz="1400" smtClean="0">
+                <a:latin typeface="Lucida Console" pitchFamily="49" charset="0"/>
+              </a:rPr>
+              <a:t>use </a:t>
+            </a:r>
+            <a:r>
+              <a:rPr lang="en-US" sz="1400" i="1" smtClean="0">
+                <a:latin typeface="Lucida Console" pitchFamily="49" charset="0"/>
+              </a:rPr>
+              <a:t>JPMxSHMandICEEntry</a:t>
+            </a:r>
             <a:r>
               <a:rPr lang="en-US" sz="1400" dirty="0" smtClean="0">
                 <a:latin typeface="Lucida Console" pitchFamily="49" charset="0"/>
               </a:rPr>
-              <a:t>	</a:t>
+              <a:t> </a:t>
             </a:r>
             <a:r>
               <a:rPr lang="en-US" sz="1400" dirty="0" smtClean="0">
                 <a:latin typeface="Lucida Console" pitchFamily="49" charset="0"/>
               </a:rPr>
-              <a:t>     //</a:t>
-            </a:r>
+              <a:t>class </a:t>
+            </a:r>
+          </a:p>
+          <a:p>
             <a:r>
               <a:rPr lang="en-US" sz="1400" dirty="0" smtClean="0">
                 <a:latin typeface="Lucida Console" pitchFamily="49" charset="0"/>
               </a:rPr>
-              <a:t>override </a:t>
-            </a:r>
-            <a:r>
-              <a:rPr lang="en-US" sz="1400" dirty="0" err="1" smtClean="0">
-                <a:latin typeface="Lucida Console" pitchFamily="49" charset="0"/>
-              </a:rPr>
-              <a:t>entrySet</a:t>
-            </a:r>
+              <a:t>	}</a:t>
+            </a:r>
+          </a:p>
+          <a:p>
             <a:r>
               <a:rPr lang="en-US" sz="1400" dirty="0" smtClean="0">
                 <a:latin typeface="Lucida Console" pitchFamily="49" charset="0"/>
               </a:rPr>
-              <a:t>() to use your Entry class </a:t>
-            </a:r>
-            <a:endParaRPr lang="en-US" sz="1400" dirty="0" smtClean="0">
-              <a:latin typeface="Lucida Console" pitchFamily="49" charset="0"/>
-            </a:endParaRPr>
+              <a:t> </a:t>
+            </a:r>
           </a:p>
           <a:p>
             <a:r>
               <a:rPr lang="en-US" sz="1400" dirty="0" smtClean="0">
                 <a:latin typeface="Lucida Console" pitchFamily="49" charset="0"/>
               </a:rPr>
-              <a:t>	}</a:t>
+              <a:t>	static class </a:t>
+            </a:r>
+            <a:r>
+              <a:rPr lang="en-US" sz="1400" i="1" dirty="0" err="1" smtClean="0">
+                <a:latin typeface="Lucida Console" pitchFamily="49" charset="0"/>
+              </a:rPr>
+              <a:t>JPMxSHMandICEEntry</a:t>
+            </a:r>
+            <a:r>
+              <a:rPr lang="en-US" sz="1400" i="1" dirty="0" smtClean="0">
+                <a:latin typeface="Lucida Console" pitchFamily="49" charset="0"/>
+              </a:rPr>
+              <a:t>&lt;K,V&gt;</a:t>
+            </a:r>
+            <a:r>
+              <a:rPr lang="en-US" sz="1400" b="1" i="1" dirty="0" smtClean="0">
+                <a:latin typeface="Lucida Console" pitchFamily="49" charset="0"/>
+              </a:rPr>
+              <a:t> </a:t>
             </a:r>
           </a:p>
           <a:p>
@@ -3344,98 +3360,25 @@
               <a:rPr lang="en-US" sz="1400" dirty="0" smtClean="0">
                 <a:latin typeface="Lucida Console" pitchFamily="49" charset="0"/>
               </a:rPr>
-              <a:t> </a:t>
-            </a:r>
-          </a:p>
-          <a:p>
+              <a:t>				extends 								</a:t>
+            </a:r>
+            <a:r>
+              <a:rPr lang="en-US" sz="1400" i="1" dirty="0" err="1" smtClean="0">
+                <a:latin typeface="Lucida Console" pitchFamily="49" charset="0"/>
+              </a:rPr>
+              <a:t>AbstractHashMap.SimpleEntry</a:t>
+            </a:r>
+            <a:r>
+              <a:rPr lang="en-US" sz="1400" i="1" dirty="0" smtClean="0">
+                <a:latin typeface="Lucida Console" pitchFamily="49" charset="0"/>
+              </a:rPr>
+              <a:t>&lt;K,V&gt;</a:t>
+            </a:r>
             <a:r>
               <a:rPr lang="en-US" sz="1400" dirty="0" smtClean="0">
                 <a:latin typeface="Lucida Console" pitchFamily="49" charset="0"/>
               </a:rPr>
-              <a:t>	</a:t>
-            </a:r>
-            <a:r>
-              <a:rPr lang="en-US" sz="1400" dirty="0" smtClean="0">
-                <a:latin typeface="Lucida Console" pitchFamily="49" charset="0"/>
-              </a:rPr>
-              <a:t>static </a:t>
-            </a:r>
-            <a:r>
-              <a:rPr lang="en-US" sz="1400" dirty="0" smtClean="0">
-                <a:latin typeface="Lucida Console" pitchFamily="49" charset="0"/>
-              </a:rPr>
-              <a:t>class </a:t>
-            </a:r>
-            <a:r>
-              <a:rPr lang="en-US" sz="1400" i="1" dirty="0" err="1" smtClean="0">
-                <a:latin typeface="Lucida Console" pitchFamily="49" charset="0"/>
-              </a:rPr>
-              <a:t>JPMExtendedSHMandICEEntry</a:t>
-            </a:r>
-            <a:r>
-              <a:rPr lang="en-US" sz="1400" i="1" dirty="0" smtClean="0">
-                <a:latin typeface="Lucida Console" pitchFamily="49" charset="0"/>
-              </a:rPr>
-              <a:t>&lt;K,V</a:t>
-            </a:r>
-            <a:r>
-              <a:rPr lang="en-US" sz="1400" i="1" dirty="0" smtClean="0">
-                <a:latin typeface="Lucida Console" pitchFamily="49" charset="0"/>
-              </a:rPr>
-              <a:t>&gt;</a:t>
-            </a:r>
-            <a:r>
-              <a:rPr lang="en-US" sz="1400" b="1" i="1" dirty="0" smtClean="0">
-                <a:latin typeface="Lucida Console" pitchFamily="49" charset="0"/>
-              </a:rPr>
-              <a:t> </a:t>
-            </a:r>
-            <a:endParaRPr lang="en-US" sz="1400" b="1" i="1" dirty="0" smtClean="0">
-              <a:latin typeface="Lucida Console" pitchFamily="49" charset="0"/>
-            </a:endParaRPr>
-          </a:p>
-          <a:p>
-            <a:r>
-              <a:rPr lang="en-US" sz="1400" dirty="0" smtClean="0">
-                <a:latin typeface="Lucida Console" pitchFamily="49" charset="0"/>
-              </a:rPr>
-              <a:t>	</a:t>
-            </a:r>
-            <a:r>
-              <a:rPr lang="en-US" sz="1400" dirty="0" smtClean="0">
-                <a:latin typeface="Lucida Console" pitchFamily="49" charset="0"/>
-              </a:rPr>
-              <a:t>			extends 								</a:t>
-            </a:r>
-            <a:r>
-              <a:rPr lang="en-US" sz="1400" i="1" dirty="0" err="1" smtClean="0">
-                <a:latin typeface="Lucida Console" pitchFamily="49" charset="0"/>
-              </a:rPr>
-              <a:t>AbstractHashMap.SimpleEntry</a:t>
-            </a:r>
-            <a:r>
-              <a:rPr lang="en-US" sz="1400" i="1" dirty="0" smtClean="0">
-                <a:latin typeface="Lucida Console" pitchFamily="49" charset="0"/>
-              </a:rPr>
-              <a:t>&lt;K,V</a:t>
-            </a:r>
-            <a:r>
-              <a:rPr lang="en-US" sz="1400" i="1" dirty="0" smtClean="0">
-                <a:latin typeface="Lucida Console" pitchFamily="49" charset="0"/>
-              </a:rPr>
-              <a:t>&gt;</a:t>
-            </a:r>
-            <a:r>
-              <a:rPr lang="en-US" sz="1400" dirty="0" smtClean="0">
-                <a:latin typeface="Lucida Console" pitchFamily="49" charset="0"/>
-              </a:rPr>
-              <a:t> </a:t>
-            </a:r>
-            <a:r>
-              <a:rPr lang="en-US" sz="1400" dirty="0" smtClean="0">
-                <a:latin typeface="Lucida Console" pitchFamily="49" charset="0"/>
-              </a:rPr>
-              <a:t>					implements </a:t>
+              <a:t> 					implements </a:t>
             </a:r>
             <a:r>
               <a:rPr lang="en-US" sz="1400" b="1" dirty="0" err="1" smtClean="0">
@@ -3466,76 +3409,117 @@
               <a:rPr lang="en-US" sz="1400" dirty="0" smtClean="0">
                 <a:latin typeface="Lucida Console" pitchFamily="49" charset="0"/>
               </a:rPr>
+              <a:t>		public </a:t>
+            </a:r>
+            <a:r>
+              <a:rPr lang="en-US" sz="1400" i="1" dirty="0" err="1" smtClean="0">
+                <a:latin typeface="Lucida Console" pitchFamily="49" charset="0"/>
+              </a:rPr>
+              <a:t>JPMxSHMandICEEntry</a:t>
+            </a:r>
+            <a:r>
+              <a:rPr lang="en-US" sz="1400" i="1" dirty="0" smtClean="0">
+                <a:latin typeface="Lucida Console" pitchFamily="49" charset="0"/>
+              </a:rPr>
+              <a:t> </a:t>
+            </a:r>
+            <a:r>
+              <a:rPr lang="en-US" sz="1400" dirty="0" smtClean="0">
+                <a:latin typeface="Lucida Console" pitchFamily="49" charset="0"/>
+              </a:rPr>
+              <a:t>(K key, V value){</a:t>
+            </a:r>
+          </a:p>
+          <a:p>
+            <a:r>
+              <a:rPr lang="en-US" sz="1400" dirty="0" smtClean="0">
+                <a:latin typeface="Lucida Console" pitchFamily="49" charset="0"/>
+              </a:rPr>
+              <a:t>			 super(</a:t>
+            </a:r>
+            <a:r>
+              <a:rPr lang="en-US" sz="1400" dirty="0" err="1" smtClean="0">
+                <a:latin typeface="Lucida Console" pitchFamily="49" charset="0"/>
+              </a:rPr>
+              <a:t>key,value</a:t>
+            </a:r>
+            <a:r>
+              <a:rPr lang="en-US" sz="1400" dirty="0" smtClean="0">
+                <a:latin typeface="Lucida Console" pitchFamily="49" charset="0"/>
+              </a:rPr>
+              <a:t>); </a:t>
+            </a:r>
+          </a:p>
+          <a:p>
+            <a:r>
+              <a:rPr lang="en-US" sz="1400" dirty="0" smtClean="0">
+                <a:latin typeface="Lucida Console" pitchFamily="49" charset="0"/>
+              </a:rPr>
+              <a:t>		</a:t>
+            </a:r>
+            <a:r>
+              <a:rPr lang="en-US" sz="1400" dirty="0" smtClean="0">
+                <a:latin typeface="Lucida Console" pitchFamily="49" charset="0"/>
+              </a:rPr>
+              <a:t>}</a:t>
+            </a:r>
+          </a:p>
+          <a:p>
+            <a:r>
+              <a:rPr lang="en-US" sz="1400" dirty="0" smtClean="0">
+                <a:latin typeface="Lucida Console" pitchFamily="49" charset="0"/>
+              </a:rPr>
               <a:t>	</a:t>
             </a:r>
             <a:r>
               <a:rPr lang="en-US" sz="1400" dirty="0" smtClean="0">
                 <a:latin typeface="Lucida Console" pitchFamily="49" charset="0"/>
               </a:rPr>
-              <a:t>	public </a:t>
-            </a:r>
-            <a:r>
-              <a:rPr lang="en-US" sz="1400" i="1" dirty="0" err="1" smtClean="0">
-                <a:latin typeface="Lucida Console" pitchFamily="49" charset="0"/>
-              </a:rPr>
-              <a:t>JPMExtendedSHMandICEEntry</a:t>
-            </a:r>
-            <a:r>
-              <a:rPr lang="en-US" sz="1400" i="1" dirty="0" smtClean="0">
-                <a:latin typeface="Lucida Console" pitchFamily="49" charset="0"/>
-              </a:rPr>
-              <a:t> </a:t>
-            </a:r>
+              <a:t>	</a:t>
+            </a:r>
+            <a:r>
+              <a:rPr lang="en-US" sz="1400" b="1" dirty="0" smtClean="0">
+                <a:solidFill>
+                  <a:srgbClr val="C00000"/>
+                </a:solidFill>
+                <a:latin typeface="Lucida Console" pitchFamily="49" charset="0"/>
+              </a:rPr>
+              <a:t>//</a:t>
+            </a:r>
+            <a:r>
+              <a:rPr lang="en-US" sz="1400" b="1" dirty="0" err="1" smtClean="0">
+                <a:solidFill>
+                  <a:srgbClr val="C00000"/>
+                </a:solidFill>
+                <a:latin typeface="Lucida Console" pitchFamily="49" charset="0"/>
+              </a:rPr>
+              <a:t>impl</a:t>
+            </a:r>
+            <a:r>
+              <a:rPr lang="en-US" sz="1400" b="1" dirty="0" smtClean="0">
+                <a:solidFill>
+                  <a:srgbClr val="C00000"/>
+                </a:solidFill>
+                <a:latin typeface="Lucida Console" pitchFamily="49" charset="0"/>
+              </a:rPr>
+              <a:t> of ICE</a:t>
+            </a:r>
+            <a:endParaRPr lang="en-US" sz="1400" b="1" dirty="0" smtClean="0">
+              <a:solidFill>
+                <a:srgbClr val="C00000"/>
+              </a:solidFill>
+              <a:latin typeface="Lucida Console" pitchFamily="49" charset="0"/>
+            </a:endParaRPr>
+          </a:p>
+          <a:p>
             <a:r>
               <a:rPr lang="en-US" sz="1400" dirty="0" smtClean="0">
                 <a:latin typeface="Lucida Console" pitchFamily="49" charset="0"/>
               </a:rPr>
-              <a:t>(</a:t>
-            </a:r>
-            <a:r>
-              <a:rPr lang="en-US" sz="1400" dirty="0" smtClean="0">
-                <a:latin typeface="Lucida Console" pitchFamily="49" charset="0"/>
-              </a:rPr>
-              <a:t>K key, V value</a:t>
-            </a:r>
-            <a:r>
-              <a:rPr lang="en-US" sz="1400" dirty="0" smtClean="0">
-                <a:latin typeface="Lucida Console" pitchFamily="49" charset="0"/>
-              </a:rPr>
-              <a:t>){</a:t>
-            </a:r>
-          </a:p>
-          <a:p>
-            <a:r>
-              <a:rPr lang="en-US" sz="1400" dirty="0" smtClean="0">
-                <a:latin typeface="Lucida Console" pitchFamily="49" charset="0"/>
-              </a:rPr>
-              <a:t>	</a:t>
-            </a:r>
-            <a:r>
-              <a:rPr lang="en-US" sz="1400" dirty="0" smtClean="0">
-                <a:latin typeface="Lucida Console" pitchFamily="49" charset="0"/>
-              </a:rPr>
-              <a:t>		 </a:t>
-            </a:r>
-            <a:r>
-              <a:rPr lang="en-US" sz="1400" dirty="0" smtClean="0">
-                <a:latin typeface="Lucida Console" pitchFamily="49" charset="0"/>
-              </a:rPr>
-              <a:t>super(</a:t>
-            </a:r>
-            <a:r>
-              <a:rPr lang="en-US" sz="1400" dirty="0" err="1" smtClean="0">
-                <a:latin typeface="Lucida Console" pitchFamily="49" charset="0"/>
-              </a:rPr>
-              <a:t>key,value</a:t>
-            </a:r>
-            <a:r>
-              <a:rPr lang="en-US" sz="1400" dirty="0" smtClean="0">
-                <a:latin typeface="Lucida Console" pitchFamily="49" charset="0"/>
-              </a:rPr>
-              <a:t>); </a:t>
-            </a:r>
+              <a:t>	}</a:t>
+            </a:r>
+          </a:p>
+          <a:p>
             <a:endParaRPr lang="en-US" sz="1400" dirty="0" smtClean="0">
               <a:latin typeface="Lucida Console" pitchFamily="49" charset="0"/>
             </a:endParaRPr>
@@ -3545,47 +3529,8 @@
               <a:rPr lang="en-US" sz="1400" dirty="0" smtClean="0">
                 <a:latin typeface="Lucida Console" pitchFamily="49" charset="0"/>
               </a:rPr>
-              <a:t>	</a:t>
-            </a:r>
-            <a:r>
-              <a:rPr lang="en-US" sz="1400" smtClean="0">
-                <a:latin typeface="Lucida Console" pitchFamily="49" charset="0"/>
-              </a:rPr>
-              <a:t>	}</a:t>
-            </a:r>
-            <a:endParaRPr lang="en-US" sz="1400" dirty="0" smtClean="0">
-              <a:latin typeface="Lucida Console" pitchFamily="49" charset="0"/>
-            </a:endParaRPr>
-          </a:p>
-          <a:p>
-            <a:r>
-              <a:rPr lang="en-US" sz="1400" dirty="0" smtClean="0">
-                <a:latin typeface="Lucida Console" pitchFamily="49" charset="0"/>
-              </a:rPr>
-              <a:t>	</a:t>
-            </a:r>
-            <a:r>
-              <a:rPr lang="en-US" sz="1400" dirty="0" smtClean="0">
-                <a:latin typeface="Lucida Console" pitchFamily="49" charset="0"/>
-              </a:rPr>
               <a:t>}</a:t>
             </a:r>
-          </a:p>
-          <a:p>
-            <a:endParaRPr lang="en-US" sz="1400" dirty="0" smtClean="0">
-              <a:latin typeface="Lucida Console" pitchFamily="49" charset="0"/>
-            </a:endParaRPr>
-          </a:p>
-          <a:p>
-            <a:r>
-              <a:rPr lang="en-US" sz="1400" dirty="0" smtClean="0">
-                <a:latin typeface="Lucida Console" pitchFamily="49" charset="0"/>
-              </a:rPr>
-              <a:t>}</a:t>
-            </a:r>
-            <a:endParaRPr lang="en-US" sz="1400" dirty="0" smtClean="0">
-              <a:latin typeface="Lucida Console" pitchFamily="49" charset="0"/>
-            </a:endParaRPr>
           </a:p>
         </p:txBody>
       </p:sp>
